--- a/HTML/HTML-Tables.pptx
+++ b/HTML/HTML-Tables.pptx
@@ -135,6 +135,11 @@
       </a:defRPr>
     </a:lvl9pPr>
   </p:defaultTextStyle>
+  <p:extLst>
+    <p:ext uri="{EFAFB233-063F-42B5-8137-9DF3F51BA10A}">
+      <p15:sldGuideLst xmlns:p15="http://schemas.microsoft.com/office/powerpoint/2012/main"/>
+    </p:ext>
+  </p:extLst>
 </p:presentation>
 </file>
 
@@ -220,7 +225,7 @@
           <a:p>
             <a:fld id="{C1622AE0-4802-4F17-A9BA-C7E693B8AF77}" type="datetimeFigureOut">
               <a:rPr lang="en-US" smtClean="0"/>
-              <a:t>13-Mar-14</a:t>
+              <a:t>3/18/2014</a:t>
             </a:fld>
             <a:endParaRPr lang="en-US"/>
           </a:p>
@@ -679,6 +684,178 @@
       </p:grpSpPr>
       <p:sp>
         <p:nvSpPr>
+          <p:cNvPr id="53250" name="Rectangle 2"/>
+          <p:cNvSpPr>
+            <a:spLocks noGrp="1" noChangeArrowheads="1"/>
+          </p:cNvSpPr>
+          <p:nvPr>
+            <p:ph type="hdr" sz="quarter"/>
+          </p:nvPr>
+        </p:nvSpPr>
+        <p:spPr>
+          <a:noFill/>
+        </p:spPr>
+        <p:txBody>
+          <a:bodyPr/>
+          <a:lstStyle/>
+          <a:p>
+            <a:r>
+              <a:rPr lang="en-US" dirty="0"/>
+              <a:t>*</a:t>
+            </a:r>
+          </a:p>
+        </p:txBody>
+      </p:sp>
+      <p:sp>
+        <p:nvSpPr>
+          <p:cNvPr id="53251" name="Rectangle 3"/>
+          <p:cNvSpPr>
+            <a:spLocks noGrp="1" noChangeArrowheads="1"/>
+          </p:cNvSpPr>
+          <p:nvPr>
+            <p:ph type="dt" sz="quarter" idx="1"/>
+          </p:nvPr>
+        </p:nvSpPr>
+        <p:spPr>
+          <a:noFill/>
+        </p:spPr>
+        <p:txBody>
+          <a:bodyPr/>
+          <a:lstStyle/>
+          <a:p>
+            <a:r>
+              <a:rPr lang="en-US" dirty="0"/>
+              <a:t>07/16/96</a:t>
+            </a:r>
+          </a:p>
+        </p:txBody>
+      </p:sp>
+      <p:sp>
+        <p:nvSpPr>
+          <p:cNvPr id="53252" name="Rectangle 6"/>
+          <p:cNvSpPr>
+            <a:spLocks noGrp="1" noChangeArrowheads="1"/>
+          </p:cNvSpPr>
+          <p:nvPr>
+            <p:ph type="ftr" sz="quarter" idx="4"/>
+          </p:nvPr>
+        </p:nvSpPr>
+        <p:spPr>
+          <a:noFill/>
+        </p:spPr>
+        <p:txBody>
+          <a:bodyPr/>
+          <a:lstStyle/>
+          <a:p>
+            <a:r>
+              <a:rPr lang="en-US" dirty="0"/>
+              <a:t>(c) 2007 National Academy for Software Development - http://academy.devbg.org. All rights reserved. Unauthorized copying or re-distribution is strictly prohibited.*</a:t>
+            </a:r>
+          </a:p>
+        </p:txBody>
+      </p:sp>
+      <p:sp>
+        <p:nvSpPr>
+          <p:cNvPr id="53253" name="Rectangle 7"/>
+          <p:cNvSpPr>
+            <a:spLocks noGrp="1" noChangeArrowheads="1"/>
+          </p:cNvSpPr>
+          <p:nvPr>
+            <p:ph type="sldNum" sz="quarter" idx="5"/>
+          </p:nvPr>
+        </p:nvSpPr>
+        <p:spPr>
+          <a:noFill/>
+        </p:spPr>
+        <p:txBody>
+          <a:bodyPr/>
+          <a:lstStyle/>
+          <a:p>
+            <a:fld id="{8E85BD0E-6358-40AA-AC41-D1EEAA86C51E}" type="slidenum">
+              <a:rPr lang="en-US"/>
+              <a:pPr/>
+              <a:t>23</a:t>
+            </a:fld>
+            <a:r>
+              <a:rPr lang="en-US" dirty="0"/>
+              <a:t>##</a:t>
+            </a:r>
+          </a:p>
+        </p:txBody>
+      </p:sp>
+      <p:sp>
+        <p:nvSpPr>
+          <p:cNvPr id="53254" name="Rectangle 2"/>
+          <p:cNvSpPr>
+            <a:spLocks noGrp="1" noRot="1" noChangeAspect="1" noChangeArrowheads="1" noTextEdit="1"/>
+          </p:cNvSpPr>
+          <p:nvPr>
+            <p:ph type="sldImg"/>
+          </p:nvPr>
+        </p:nvSpPr>
+        <p:spPr>
+          <a:ln/>
+        </p:spPr>
+      </p:sp>
+      <p:sp>
+        <p:nvSpPr>
+          <p:cNvPr id="53255" name="Rectangle 3"/>
+          <p:cNvSpPr>
+            <a:spLocks noGrp="1" noChangeArrowheads="1"/>
+          </p:cNvSpPr>
+          <p:nvPr>
+            <p:ph type="body" idx="1"/>
+          </p:nvPr>
+        </p:nvSpPr>
+        <p:spPr>
+          <a:xfrm>
+            <a:off x="709614" y="4860925"/>
+            <a:ext cx="5680075" cy="4605338"/>
+          </a:xfrm>
+          <a:noFill/>
+          <a:ln/>
+        </p:spPr>
+        <p:txBody>
+          <a:bodyPr/>
+          <a:lstStyle/>
+          <a:p>
+            <a:pPr eaLnBrk="1" hangingPunct="1"/>
+            <a:endParaRPr lang="bg-BG" smtClean="0"/>
+          </a:p>
+        </p:txBody>
+      </p:sp>
+    </p:spTree>
+    <p:extLst>
+      <p:ext uri="{BB962C8B-B14F-4D97-AF65-F5344CB8AC3E}">
+        <p14:creationId xmlns:p14="http://schemas.microsoft.com/office/powerpoint/2010/main" val="1094838093"/>
+      </p:ext>
+    </p:extLst>
+  </p:cSld>
+  <p:clrMapOvr>
+    <a:masterClrMapping/>
+  </p:clrMapOvr>
+</p:notes>
+</file>
+
+<file path=ppt/notesSlides/notesSlide11.xml><?xml version="1.0" encoding="utf-8"?>
+<p:notes xmlns:a="http://schemas.openxmlformats.org/drawingml/2006/main" xmlns:r="http://schemas.openxmlformats.org/officeDocument/2006/relationships" xmlns:p="http://schemas.openxmlformats.org/presentationml/2006/main">
+  <p:cSld>
+    <p:spTree>
+      <p:nvGrpSpPr>
+        <p:cNvPr id="1" name=""/>
+        <p:cNvGrpSpPr/>
+        <p:nvPr/>
+      </p:nvGrpSpPr>
+      <p:grpSpPr>
+        <a:xfrm>
+          <a:off x="0" y="0"/>
+          <a:ext cx="0" cy="0"/>
+          <a:chOff x="0" y="0"/>
+          <a:chExt cx="0" cy="0"/>
+        </a:xfrm>
+      </p:grpSpPr>
+      <p:sp>
+        <p:nvSpPr>
           <p:cNvPr id="54274" name="Rectangle 2"/>
           <p:cNvSpPr>
             <a:spLocks noGrp="1" noChangeArrowheads="1"/>
@@ -832,7 +1009,7 @@
 </p:notes>
 </file>
 
-<file path=ppt/notesSlides/notesSlide11.xml><?xml version="1.0" encoding="utf-8"?>
+<file path=ppt/notesSlides/notesSlide12.xml><?xml version="1.0" encoding="utf-8"?>
 <p:notes xmlns:a="http://schemas.openxmlformats.org/drawingml/2006/main" xmlns:r="http://schemas.openxmlformats.org/officeDocument/2006/relationships" xmlns:p="http://schemas.openxmlformats.org/presentationml/2006/main">
   <p:cSld>
     <p:spTree>
@@ -1191,6 +1368,90 @@
       </p:grpSpPr>
       <p:sp>
         <p:nvSpPr>
+          <p:cNvPr id="2" name="Slide Image Placeholder 1"/>
+          <p:cNvSpPr>
+            <a:spLocks noGrp="1" noRot="1" noChangeAspect="1"/>
+          </p:cNvSpPr>
+          <p:nvPr>
+            <p:ph type="sldImg"/>
+          </p:nvPr>
+        </p:nvSpPr>
+        <p:spPr/>
+      </p:sp>
+      <p:sp>
+        <p:nvSpPr>
+          <p:cNvPr id="3" name="Notes Placeholder 2"/>
+          <p:cNvSpPr>
+            <a:spLocks noGrp="1"/>
+          </p:cNvSpPr>
+          <p:nvPr>
+            <p:ph type="body" idx="1"/>
+          </p:nvPr>
+        </p:nvSpPr>
+        <p:spPr/>
+        <p:txBody>
+          <a:bodyPr/>
+          <a:lstStyle/>
+          <a:p>
+            <a:endParaRPr lang="en-US"/>
+          </a:p>
+        </p:txBody>
+      </p:sp>
+      <p:sp>
+        <p:nvSpPr>
+          <p:cNvPr id="4" name="Slide Number Placeholder 3"/>
+          <p:cNvSpPr>
+            <a:spLocks noGrp="1"/>
+          </p:cNvSpPr>
+          <p:nvPr>
+            <p:ph type="sldNum" sz="quarter" idx="10"/>
+          </p:nvPr>
+        </p:nvSpPr>
+        <p:spPr/>
+        <p:txBody>
+          <a:bodyPr/>
+          <a:lstStyle/>
+          <a:p>
+            <a:fld id="{60F5C4BE-EC8E-4B7A-96D7-C39D54651CBB}" type="slidenum">
+              <a:rPr lang="en-US" smtClean="0"/>
+              <a:t>7</a:t>
+            </a:fld>
+            <a:endParaRPr lang="en-US"/>
+          </a:p>
+        </p:txBody>
+      </p:sp>
+    </p:spTree>
+    <p:extLst>
+      <p:ext uri="{BB962C8B-B14F-4D97-AF65-F5344CB8AC3E}">
+        <p14:creationId xmlns:p14="http://schemas.microsoft.com/office/powerpoint/2010/main" val="4103877122"/>
+      </p:ext>
+    </p:extLst>
+  </p:cSld>
+  <p:clrMapOvr>
+    <a:masterClrMapping/>
+  </p:clrMapOvr>
+</p:notes>
+</file>
+
+<file path=ppt/notesSlides/notesSlide4.xml><?xml version="1.0" encoding="utf-8"?>
+<p:notes xmlns:a="http://schemas.openxmlformats.org/drawingml/2006/main" xmlns:r="http://schemas.openxmlformats.org/officeDocument/2006/relationships" xmlns:p="http://schemas.openxmlformats.org/presentationml/2006/main">
+  <p:cSld>
+    <p:spTree>
+      <p:nvGrpSpPr>
+        <p:cNvPr id="1" name=""/>
+        <p:cNvGrpSpPr/>
+        <p:nvPr/>
+      </p:nvGrpSpPr>
+      <p:grpSpPr>
+        <a:xfrm>
+          <a:off x="0" y="0"/>
+          <a:ext cx="0" cy="0"/>
+          <a:chOff x="0" y="0"/>
+          <a:chExt cx="0" cy="0"/>
+        </a:xfrm>
+      </p:grpSpPr>
+      <p:sp>
+        <p:nvSpPr>
           <p:cNvPr id="45058" name="Rectangle 2"/>
           <p:cNvSpPr>
             <a:spLocks noGrp="1" noChangeArrowheads="1"/>
@@ -1344,7 +1605,7 @@
 </p:notes>
 </file>
 
-<file path=ppt/notesSlides/notesSlide4.xml><?xml version="1.0" encoding="utf-8"?>
+<file path=ppt/notesSlides/notesSlide5.xml><?xml version="1.0" encoding="utf-8"?>
 <p:notes xmlns:a="http://schemas.openxmlformats.org/drawingml/2006/main" xmlns:r="http://schemas.openxmlformats.org/officeDocument/2006/relationships" xmlns:p="http://schemas.openxmlformats.org/presentationml/2006/main">
   <p:cSld>
     <p:spTree>
@@ -1512,7 +1773,7 @@
 </p:notes>
 </file>
 
-<file path=ppt/notesSlides/notesSlide5.xml><?xml version="1.0" encoding="utf-8"?>
+<file path=ppt/notesSlides/notesSlide6.xml><?xml version="1.0" encoding="utf-8"?>
 <p:notes xmlns:a="http://schemas.openxmlformats.org/drawingml/2006/main" xmlns:r="http://schemas.openxmlformats.org/officeDocument/2006/relationships" xmlns:p="http://schemas.openxmlformats.org/presentationml/2006/main">
   <p:cSld>
     <p:spTree>
@@ -1675,178 +1936,6 @@
     <p:extLst>
       <p:ext uri="{BB962C8B-B14F-4D97-AF65-F5344CB8AC3E}">
         <p14:creationId xmlns:p14="http://schemas.microsoft.com/office/powerpoint/2010/main" val="2117572531"/>
-      </p:ext>
-    </p:extLst>
-  </p:cSld>
-  <p:clrMapOvr>
-    <a:masterClrMapping/>
-  </p:clrMapOvr>
-</p:notes>
-</file>
-
-<file path=ppt/notesSlides/notesSlide6.xml><?xml version="1.0" encoding="utf-8"?>
-<p:notes xmlns:a="http://schemas.openxmlformats.org/drawingml/2006/main" xmlns:r="http://schemas.openxmlformats.org/officeDocument/2006/relationships" xmlns:p="http://schemas.openxmlformats.org/presentationml/2006/main">
-  <p:cSld>
-    <p:spTree>
-      <p:nvGrpSpPr>
-        <p:cNvPr id="1" name=""/>
-        <p:cNvGrpSpPr/>
-        <p:nvPr/>
-      </p:nvGrpSpPr>
-      <p:grpSpPr>
-        <a:xfrm>
-          <a:off x="0" y="0"/>
-          <a:ext cx="0" cy="0"/>
-          <a:chOff x="0" y="0"/>
-          <a:chExt cx="0" cy="0"/>
-        </a:xfrm>
-      </p:grpSpPr>
-      <p:sp>
-        <p:nvSpPr>
-          <p:cNvPr id="50178" name="Rectangle 2"/>
-          <p:cNvSpPr>
-            <a:spLocks noGrp="1" noChangeArrowheads="1"/>
-          </p:cNvSpPr>
-          <p:nvPr>
-            <p:ph type="hdr" sz="quarter"/>
-          </p:nvPr>
-        </p:nvSpPr>
-        <p:spPr>
-          <a:noFill/>
-        </p:spPr>
-        <p:txBody>
-          <a:bodyPr/>
-          <a:lstStyle/>
-          <a:p>
-            <a:r>
-              <a:rPr lang="en-US" dirty="0"/>
-              <a:t>*</a:t>
-            </a:r>
-          </a:p>
-        </p:txBody>
-      </p:sp>
-      <p:sp>
-        <p:nvSpPr>
-          <p:cNvPr id="50179" name="Rectangle 3"/>
-          <p:cNvSpPr>
-            <a:spLocks noGrp="1" noChangeArrowheads="1"/>
-          </p:cNvSpPr>
-          <p:nvPr>
-            <p:ph type="dt" sz="quarter" idx="1"/>
-          </p:nvPr>
-        </p:nvSpPr>
-        <p:spPr>
-          <a:noFill/>
-        </p:spPr>
-        <p:txBody>
-          <a:bodyPr/>
-          <a:lstStyle/>
-          <a:p>
-            <a:r>
-              <a:rPr lang="en-US" dirty="0"/>
-              <a:t>07/16/96</a:t>
-            </a:r>
-          </a:p>
-        </p:txBody>
-      </p:sp>
-      <p:sp>
-        <p:nvSpPr>
-          <p:cNvPr id="50180" name="Rectangle 6"/>
-          <p:cNvSpPr>
-            <a:spLocks noGrp="1" noChangeArrowheads="1"/>
-          </p:cNvSpPr>
-          <p:nvPr>
-            <p:ph type="ftr" sz="quarter" idx="4"/>
-          </p:nvPr>
-        </p:nvSpPr>
-        <p:spPr>
-          <a:noFill/>
-        </p:spPr>
-        <p:txBody>
-          <a:bodyPr/>
-          <a:lstStyle/>
-          <a:p>
-            <a:r>
-              <a:rPr lang="en-US" dirty="0"/>
-              <a:t>(c) 2007 National Academy for Software Development - http://academy.devbg.org. All rights reserved. Unauthorized copying or re-distribution is strictly prohibited.*</a:t>
-            </a:r>
-          </a:p>
-        </p:txBody>
-      </p:sp>
-      <p:sp>
-        <p:nvSpPr>
-          <p:cNvPr id="50181" name="Rectangle 7"/>
-          <p:cNvSpPr>
-            <a:spLocks noGrp="1" noChangeArrowheads="1"/>
-          </p:cNvSpPr>
-          <p:nvPr>
-            <p:ph type="sldNum" sz="quarter" idx="5"/>
-          </p:nvPr>
-        </p:nvSpPr>
-        <p:spPr>
-          <a:noFill/>
-        </p:spPr>
-        <p:txBody>
-          <a:bodyPr/>
-          <a:lstStyle/>
-          <a:p>
-            <a:fld id="{43717C6A-A4F0-43BA-9319-A43133CB37D9}" type="slidenum">
-              <a:rPr lang="en-US"/>
-              <a:pPr/>
-              <a:t>19</a:t>
-            </a:fld>
-            <a:r>
-              <a:rPr lang="en-US" dirty="0"/>
-              <a:t>##</a:t>
-            </a:r>
-          </a:p>
-        </p:txBody>
-      </p:sp>
-      <p:sp>
-        <p:nvSpPr>
-          <p:cNvPr id="50182" name="Rectangle 2"/>
-          <p:cNvSpPr>
-            <a:spLocks noGrp="1" noRot="1" noChangeAspect="1" noChangeArrowheads="1" noTextEdit="1"/>
-          </p:cNvSpPr>
-          <p:nvPr>
-            <p:ph type="sldImg"/>
-          </p:nvPr>
-        </p:nvSpPr>
-        <p:spPr>
-          <a:ln/>
-        </p:spPr>
-      </p:sp>
-      <p:sp>
-        <p:nvSpPr>
-          <p:cNvPr id="50183" name="Rectangle 3"/>
-          <p:cNvSpPr>
-            <a:spLocks noGrp="1" noChangeArrowheads="1"/>
-          </p:cNvSpPr>
-          <p:nvPr>
-            <p:ph type="body" idx="1"/>
-          </p:nvPr>
-        </p:nvSpPr>
-        <p:spPr>
-          <a:xfrm>
-            <a:off x="709614" y="4860925"/>
-            <a:ext cx="5680075" cy="4605338"/>
-          </a:xfrm>
-          <a:noFill/>
-          <a:ln/>
-        </p:spPr>
-        <p:txBody>
-          <a:bodyPr/>
-          <a:lstStyle/>
-          <a:p>
-            <a:pPr eaLnBrk="1" hangingPunct="1"/>
-            <a:endParaRPr lang="bg-BG" smtClean="0"/>
-          </a:p>
-        </p:txBody>
-      </p:sp>
-    </p:spTree>
-    <p:extLst>
-      <p:ext uri="{BB962C8B-B14F-4D97-AF65-F5344CB8AC3E}">
-        <p14:creationId xmlns:p14="http://schemas.microsoft.com/office/powerpoint/2010/main" val="2622946502"/>
       </p:ext>
     </p:extLst>
   </p:cSld>
@@ -1965,7 +2054,7 @@
             <a:fld id="{43717C6A-A4F0-43BA-9319-A43133CB37D9}" type="slidenum">
               <a:rPr lang="en-US"/>
               <a:pPr/>
-              <a:t>20</a:t>
+              <a:t>19</a:t>
             </a:fld>
             <a:r>
               <a:rPr lang="en-US" dirty="0"/>
@@ -2018,6 +2107,178 @@
     </p:spTree>
     <p:extLst>
       <p:ext uri="{BB962C8B-B14F-4D97-AF65-F5344CB8AC3E}">
+        <p14:creationId xmlns:p14="http://schemas.microsoft.com/office/powerpoint/2010/main" val="2622946502"/>
+      </p:ext>
+    </p:extLst>
+  </p:cSld>
+  <p:clrMapOvr>
+    <a:masterClrMapping/>
+  </p:clrMapOvr>
+</p:notes>
+</file>
+
+<file path=ppt/notesSlides/notesSlide8.xml><?xml version="1.0" encoding="utf-8"?>
+<p:notes xmlns:a="http://schemas.openxmlformats.org/drawingml/2006/main" xmlns:r="http://schemas.openxmlformats.org/officeDocument/2006/relationships" xmlns:p="http://schemas.openxmlformats.org/presentationml/2006/main">
+  <p:cSld>
+    <p:spTree>
+      <p:nvGrpSpPr>
+        <p:cNvPr id="1" name=""/>
+        <p:cNvGrpSpPr/>
+        <p:nvPr/>
+      </p:nvGrpSpPr>
+      <p:grpSpPr>
+        <a:xfrm>
+          <a:off x="0" y="0"/>
+          <a:ext cx="0" cy="0"/>
+          <a:chOff x="0" y="0"/>
+          <a:chExt cx="0" cy="0"/>
+        </a:xfrm>
+      </p:grpSpPr>
+      <p:sp>
+        <p:nvSpPr>
+          <p:cNvPr id="50178" name="Rectangle 2"/>
+          <p:cNvSpPr>
+            <a:spLocks noGrp="1" noChangeArrowheads="1"/>
+          </p:cNvSpPr>
+          <p:nvPr>
+            <p:ph type="hdr" sz="quarter"/>
+          </p:nvPr>
+        </p:nvSpPr>
+        <p:spPr>
+          <a:noFill/>
+        </p:spPr>
+        <p:txBody>
+          <a:bodyPr/>
+          <a:lstStyle/>
+          <a:p>
+            <a:r>
+              <a:rPr lang="en-US" dirty="0"/>
+              <a:t>*</a:t>
+            </a:r>
+          </a:p>
+        </p:txBody>
+      </p:sp>
+      <p:sp>
+        <p:nvSpPr>
+          <p:cNvPr id="50179" name="Rectangle 3"/>
+          <p:cNvSpPr>
+            <a:spLocks noGrp="1" noChangeArrowheads="1"/>
+          </p:cNvSpPr>
+          <p:nvPr>
+            <p:ph type="dt" sz="quarter" idx="1"/>
+          </p:nvPr>
+        </p:nvSpPr>
+        <p:spPr>
+          <a:noFill/>
+        </p:spPr>
+        <p:txBody>
+          <a:bodyPr/>
+          <a:lstStyle/>
+          <a:p>
+            <a:r>
+              <a:rPr lang="en-US" dirty="0"/>
+              <a:t>07/16/96</a:t>
+            </a:r>
+          </a:p>
+        </p:txBody>
+      </p:sp>
+      <p:sp>
+        <p:nvSpPr>
+          <p:cNvPr id="50180" name="Rectangle 6"/>
+          <p:cNvSpPr>
+            <a:spLocks noGrp="1" noChangeArrowheads="1"/>
+          </p:cNvSpPr>
+          <p:nvPr>
+            <p:ph type="ftr" sz="quarter" idx="4"/>
+          </p:nvPr>
+        </p:nvSpPr>
+        <p:spPr>
+          <a:noFill/>
+        </p:spPr>
+        <p:txBody>
+          <a:bodyPr/>
+          <a:lstStyle/>
+          <a:p>
+            <a:r>
+              <a:rPr lang="en-US" dirty="0"/>
+              <a:t>(c) 2007 National Academy for Software Development - http://academy.devbg.org. All rights reserved. Unauthorized copying or re-distribution is strictly prohibited.*</a:t>
+            </a:r>
+          </a:p>
+        </p:txBody>
+      </p:sp>
+      <p:sp>
+        <p:nvSpPr>
+          <p:cNvPr id="50181" name="Rectangle 7"/>
+          <p:cNvSpPr>
+            <a:spLocks noGrp="1" noChangeArrowheads="1"/>
+          </p:cNvSpPr>
+          <p:nvPr>
+            <p:ph type="sldNum" sz="quarter" idx="5"/>
+          </p:nvPr>
+        </p:nvSpPr>
+        <p:spPr>
+          <a:noFill/>
+        </p:spPr>
+        <p:txBody>
+          <a:bodyPr/>
+          <a:lstStyle/>
+          <a:p>
+            <a:fld id="{43717C6A-A4F0-43BA-9319-A43133CB37D9}" type="slidenum">
+              <a:rPr lang="en-US"/>
+              <a:pPr/>
+              <a:t>20</a:t>
+            </a:fld>
+            <a:r>
+              <a:rPr lang="en-US" dirty="0"/>
+              <a:t>##</a:t>
+            </a:r>
+          </a:p>
+        </p:txBody>
+      </p:sp>
+      <p:sp>
+        <p:nvSpPr>
+          <p:cNvPr id="50182" name="Rectangle 2"/>
+          <p:cNvSpPr>
+            <a:spLocks noGrp="1" noRot="1" noChangeAspect="1" noChangeArrowheads="1" noTextEdit="1"/>
+          </p:cNvSpPr>
+          <p:nvPr>
+            <p:ph type="sldImg"/>
+          </p:nvPr>
+        </p:nvSpPr>
+        <p:spPr>
+          <a:ln/>
+        </p:spPr>
+      </p:sp>
+      <p:sp>
+        <p:nvSpPr>
+          <p:cNvPr id="50183" name="Rectangle 3"/>
+          <p:cNvSpPr>
+            <a:spLocks noGrp="1" noChangeArrowheads="1"/>
+          </p:cNvSpPr>
+          <p:nvPr>
+            <p:ph type="body" idx="1"/>
+          </p:nvPr>
+        </p:nvSpPr>
+        <p:spPr>
+          <a:xfrm>
+            <a:off x="709614" y="4860925"/>
+            <a:ext cx="5680075" cy="4605338"/>
+          </a:xfrm>
+          <a:noFill/>
+          <a:ln/>
+        </p:spPr>
+        <p:txBody>
+          <a:bodyPr/>
+          <a:lstStyle/>
+          <a:p>
+            <a:pPr eaLnBrk="1" hangingPunct="1"/>
+            <a:endParaRPr lang="bg-BG" smtClean="0"/>
+          </a:p>
+        </p:txBody>
+      </p:sp>
+    </p:spTree>
+    <p:extLst>
+      <p:ext uri="{BB962C8B-B14F-4D97-AF65-F5344CB8AC3E}">
         <p14:creationId xmlns:p14="http://schemas.microsoft.com/office/powerpoint/2010/main" val="2660144909"/>
       </p:ext>
     </p:extLst>
@@ -2028,7 +2289,7 @@
 </p:notes>
 </file>
 
-<file path=ppt/notesSlides/notesSlide8.xml><?xml version="1.0" encoding="utf-8"?>
+<file path=ppt/notesSlides/notesSlide9.xml><?xml version="1.0" encoding="utf-8"?>
 <p:notes xmlns:a="http://schemas.openxmlformats.org/drawingml/2006/main" xmlns:r="http://schemas.openxmlformats.org/officeDocument/2006/relationships" xmlns:p="http://schemas.openxmlformats.org/presentationml/2006/main">
   <p:cSld>
     <p:spTree>
@@ -2187,178 +2448,6 @@
     <p:extLst>
       <p:ext uri="{BB962C8B-B14F-4D97-AF65-F5344CB8AC3E}">
         <p14:creationId xmlns:p14="http://schemas.microsoft.com/office/powerpoint/2010/main" val="4204668484"/>
-      </p:ext>
-    </p:extLst>
-  </p:cSld>
-  <p:clrMapOvr>
-    <a:masterClrMapping/>
-  </p:clrMapOvr>
-</p:notes>
-</file>
-
-<file path=ppt/notesSlides/notesSlide9.xml><?xml version="1.0" encoding="utf-8"?>
-<p:notes xmlns:a="http://schemas.openxmlformats.org/drawingml/2006/main" xmlns:r="http://schemas.openxmlformats.org/officeDocument/2006/relationships" xmlns:p="http://schemas.openxmlformats.org/presentationml/2006/main">
-  <p:cSld>
-    <p:spTree>
-      <p:nvGrpSpPr>
-        <p:cNvPr id="1" name=""/>
-        <p:cNvGrpSpPr/>
-        <p:nvPr/>
-      </p:nvGrpSpPr>
-      <p:grpSpPr>
-        <a:xfrm>
-          <a:off x="0" y="0"/>
-          <a:ext cx="0" cy="0"/>
-          <a:chOff x="0" y="0"/>
-          <a:chExt cx="0" cy="0"/>
-        </a:xfrm>
-      </p:grpSpPr>
-      <p:sp>
-        <p:nvSpPr>
-          <p:cNvPr id="53250" name="Rectangle 2"/>
-          <p:cNvSpPr>
-            <a:spLocks noGrp="1" noChangeArrowheads="1"/>
-          </p:cNvSpPr>
-          <p:nvPr>
-            <p:ph type="hdr" sz="quarter"/>
-          </p:nvPr>
-        </p:nvSpPr>
-        <p:spPr>
-          <a:noFill/>
-        </p:spPr>
-        <p:txBody>
-          <a:bodyPr/>
-          <a:lstStyle/>
-          <a:p>
-            <a:r>
-              <a:rPr lang="en-US" dirty="0"/>
-              <a:t>*</a:t>
-            </a:r>
-          </a:p>
-        </p:txBody>
-      </p:sp>
-      <p:sp>
-        <p:nvSpPr>
-          <p:cNvPr id="53251" name="Rectangle 3"/>
-          <p:cNvSpPr>
-            <a:spLocks noGrp="1" noChangeArrowheads="1"/>
-          </p:cNvSpPr>
-          <p:nvPr>
-            <p:ph type="dt" sz="quarter" idx="1"/>
-          </p:nvPr>
-        </p:nvSpPr>
-        <p:spPr>
-          <a:noFill/>
-        </p:spPr>
-        <p:txBody>
-          <a:bodyPr/>
-          <a:lstStyle/>
-          <a:p>
-            <a:r>
-              <a:rPr lang="en-US" dirty="0"/>
-              <a:t>07/16/96</a:t>
-            </a:r>
-          </a:p>
-        </p:txBody>
-      </p:sp>
-      <p:sp>
-        <p:nvSpPr>
-          <p:cNvPr id="53252" name="Rectangle 6"/>
-          <p:cNvSpPr>
-            <a:spLocks noGrp="1" noChangeArrowheads="1"/>
-          </p:cNvSpPr>
-          <p:nvPr>
-            <p:ph type="ftr" sz="quarter" idx="4"/>
-          </p:nvPr>
-        </p:nvSpPr>
-        <p:spPr>
-          <a:noFill/>
-        </p:spPr>
-        <p:txBody>
-          <a:bodyPr/>
-          <a:lstStyle/>
-          <a:p>
-            <a:r>
-              <a:rPr lang="en-US" dirty="0"/>
-              <a:t>(c) 2007 National Academy for Software Development - http://academy.devbg.org. All rights reserved. Unauthorized copying or re-distribution is strictly prohibited.*</a:t>
-            </a:r>
-          </a:p>
-        </p:txBody>
-      </p:sp>
-      <p:sp>
-        <p:nvSpPr>
-          <p:cNvPr id="53253" name="Rectangle 7"/>
-          <p:cNvSpPr>
-            <a:spLocks noGrp="1" noChangeArrowheads="1"/>
-          </p:cNvSpPr>
-          <p:nvPr>
-            <p:ph type="sldNum" sz="quarter" idx="5"/>
-          </p:nvPr>
-        </p:nvSpPr>
-        <p:spPr>
-          <a:noFill/>
-        </p:spPr>
-        <p:txBody>
-          <a:bodyPr/>
-          <a:lstStyle/>
-          <a:p>
-            <a:fld id="{8E85BD0E-6358-40AA-AC41-D1EEAA86C51E}" type="slidenum">
-              <a:rPr lang="en-US"/>
-              <a:pPr/>
-              <a:t>23</a:t>
-            </a:fld>
-            <a:r>
-              <a:rPr lang="en-US" dirty="0"/>
-              <a:t>##</a:t>
-            </a:r>
-          </a:p>
-        </p:txBody>
-      </p:sp>
-      <p:sp>
-        <p:nvSpPr>
-          <p:cNvPr id="53254" name="Rectangle 2"/>
-          <p:cNvSpPr>
-            <a:spLocks noGrp="1" noRot="1" noChangeAspect="1" noChangeArrowheads="1" noTextEdit="1"/>
-          </p:cNvSpPr>
-          <p:nvPr>
-            <p:ph type="sldImg"/>
-          </p:nvPr>
-        </p:nvSpPr>
-        <p:spPr>
-          <a:ln/>
-        </p:spPr>
-      </p:sp>
-      <p:sp>
-        <p:nvSpPr>
-          <p:cNvPr id="53255" name="Rectangle 3"/>
-          <p:cNvSpPr>
-            <a:spLocks noGrp="1" noChangeArrowheads="1"/>
-          </p:cNvSpPr>
-          <p:nvPr>
-            <p:ph type="body" idx="1"/>
-          </p:nvPr>
-        </p:nvSpPr>
-        <p:spPr>
-          <a:xfrm>
-            <a:off x="709614" y="4860925"/>
-            <a:ext cx="5680075" cy="4605338"/>
-          </a:xfrm>
-          <a:noFill/>
-          <a:ln/>
-        </p:spPr>
-        <p:txBody>
-          <a:bodyPr/>
-          <a:lstStyle/>
-          <a:p>
-            <a:pPr eaLnBrk="1" hangingPunct="1"/>
-            <a:endParaRPr lang="bg-BG" smtClean="0"/>
-          </a:p>
-        </p:txBody>
-      </p:sp>
-    </p:spTree>
-    <p:extLst>
-      <p:ext uri="{BB962C8B-B14F-4D97-AF65-F5344CB8AC3E}">
-        <p14:creationId xmlns:p14="http://schemas.microsoft.com/office/powerpoint/2010/main" val="1094838093"/>
       </p:ext>
     </p:extLst>
   </p:cSld>
@@ -6945,7 +7034,6 @@
       </p:par>
     </p:tnLst>
   </p:timing>
-  <p:hf hdr="0" ftr="0" dt="0"/>
 </p:sldLayout>
 </file>
 
@@ -7224,6 +7312,7 @@
       </p:par>
     </p:tnLst>
   </p:timing>
+  <p:hf hdr="0" ftr="0" dt="0"/>
   <p:txStyles>
     <p:titleStyle>
       <a:lvl1pPr algn="r" rtl="0" eaLnBrk="1" fontAlgn="base" hangingPunct="1">
@@ -23661,11 +23750,7 @@
             </a:pPr>
             <a:r>
               <a:rPr lang="en-US" dirty="0" smtClean="0"/>
-              <a:t>Tables are comprised of </a:t>
-            </a:r>
-            <a:r>
-              <a:rPr lang="en-US" dirty="0" smtClean="0"/>
-              <a:t>several core tags:</a:t>
+              <a:t>Tables are comprised of several core tags:</a:t>
             </a:r>
           </a:p>
           <a:p>
@@ -23690,13 +23775,8 @@
             </a:r>
             <a:r>
               <a:rPr lang="en-US" dirty="0" smtClean="0"/>
-              <a:t>: </a:t>
-            </a:r>
-            <a:r>
-              <a:rPr lang="en-US" dirty="0" smtClean="0"/>
-              <a:t> begin/end table definition</a:t>
-            </a:r>
-            <a:endParaRPr lang="en-US" dirty="0" smtClean="0"/>
+              <a:t>:  begin/end table definition</a:t>
+            </a:r>
           </a:p>
           <a:p>
             <a:pPr lvl="1">
@@ -25888,6 +25968,29 @@
               </a:rPr>
               <a:t>tr&gt;</a:t>
             </a:r>
+          </a:p>
+        </p:txBody>
+      </p:sp>
+      <p:sp>
+        <p:nvSpPr>
+          <p:cNvPr id="2" name="Slide Number Placeholder 1"/>
+          <p:cNvSpPr>
+            <a:spLocks noGrp="1"/>
+          </p:cNvSpPr>
+          <p:nvPr>
+            <p:ph type="sldNum" sz="quarter" idx="10"/>
+          </p:nvPr>
+        </p:nvSpPr>
+        <p:spPr/>
+        <p:txBody>
+          <a:bodyPr/>
+          <a:lstStyle/>
+          <a:p>
+            <a:fld id="{F9780CE2-635B-4792-AE1C-2E394DDDFCC2}" type="slidenum">
+              <a:rPr lang="en-US" smtClean="0"/>
+              <a:t>7</a:t>
+            </a:fld>
+            <a:endParaRPr lang="en-US"/>
           </a:p>
         </p:txBody>
       </p:sp>
